--- a/dist_crawl_presentation.pptx
+++ b/dist_crawl_presentation.pptx
@@ -11388,16 +11388,91 @@
             <a:pPr lvl="1"/>
             <a:r>
               <a:rPr lang="en-US" sz="2000" dirty="0" smtClean="0"/>
-              <a:t>Obtains the presence of HTTP STS, X-Frame Options, CSP, </a:t>
-            </a:r>
+              <a:t>Obtains the presence </a:t>
+            </a:r>
+            <a:r>
+              <a:rPr lang="en-US" sz="2000" dirty="0" smtClean="0"/>
+              <a:t>of the </a:t>
+            </a:r>
+            <a:r>
+              <a:rPr lang="en-US" sz="2000" dirty="0"/>
+              <a:t>following in web forms in each URL:</a:t>
+            </a:r>
+            <a:endParaRPr lang="en-US" sz="2000" dirty="0" smtClean="0"/>
+          </a:p>
+          <a:p>
+            <a:pPr marL="1133475" lvl="3" indent="-365125">
+              <a:buFont typeface="Arial"/>
+              <a:buChar char="•"/>
+            </a:pPr>
+            <a:r>
+              <a:rPr lang="en-US" sz="2000" dirty="0" smtClean="0"/>
+              <a:t>HTTP Strict Transport Security (STS)</a:t>
+            </a:r>
+            <a:endParaRPr lang="en-US" sz="2000" dirty="0"/>
+          </a:p>
+          <a:p>
+            <a:pPr marL="1133475" lvl="3" indent="-365125">
+              <a:buFont typeface="Arial"/>
+              <a:buChar char="•"/>
+            </a:pPr>
+            <a:r>
+              <a:rPr lang="en-US" sz="2000" dirty="0" smtClean="0"/>
+              <a:t>X</a:t>
+            </a:r>
+            <a:r>
+              <a:rPr lang="en-US" sz="2000" dirty="0" smtClean="0"/>
+              <a:t>-Frame </a:t>
+            </a:r>
+            <a:r>
+              <a:rPr lang="en-US" sz="2000" dirty="0" smtClean="0"/>
+              <a:t>Options</a:t>
+            </a:r>
+            <a:endParaRPr lang="en-US" sz="2000" dirty="0"/>
+          </a:p>
+          <a:p>
+            <a:pPr marL="1133475" lvl="3" indent="-365125">
+              <a:buFont typeface="Arial"/>
+              <a:buChar char="•"/>
+            </a:pPr>
+            <a:r>
+              <a:rPr lang="en-US" sz="2000" dirty="0" smtClean="0"/>
+              <a:t>Content Security Policy (CSP)</a:t>
+            </a:r>
+          </a:p>
+          <a:p>
+            <a:pPr marL="1133475" lvl="3" indent="-365125">
+              <a:buFont typeface="Arial"/>
+              <a:buChar char="•"/>
+            </a:pPr>
             <a:r>
               <a:rPr lang="en-US" sz="2000" dirty="0" err="1" smtClean="0"/>
               <a:t>HTTPOnly</a:t>
             </a:r>
             <a:r>
+              <a:rPr lang="en-US" sz="2000" dirty="0"/>
+              <a:t> </a:t>
+            </a:r>
+            <a:r>
               <a:rPr lang="en-US" sz="2000" dirty="0" smtClean="0"/>
-              <a:t>, Secure Cookie, Nonce in web forms in each URL</a:t>
-            </a:r>
+              <a:t>and </a:t>
+            </a:r>
+            <a:r>
+              <a:rPr lang="en-US" sz="2000" dirty="0" smtClean="0"/>
+              <a:t>Secure Cookie</a:t>
+            </a:r>
+            <a:endParaRPr lang="en-US" sz="2000" dirty="0"/>
+          </a:p>
+          <a:p>
+            <a:pPr marL="1133475" lvl="3" indent="-365125">
+              <a:buFont typeface="Arial"/>
+              <a:buChar char="•"/>
+            </a:pPr>
+            <a:r>
+              <a:rPr lang="en-US" sz="2000" dirty="0" smtClean="0"/>
+              <a:t>Nonce</a:t>
+            </a:r>
+            <a:endParaRPr lang="en-US" sz="2000" dirty="0" smtClean="0"/>
           </a:p>
           <a:p>
             <a:pPr lvl="1"/>
